--- a/public/Iconset.pptx
+++ b/public/Iconset.pptx
@@ -5,11 +5,14 @@
     <p:sldMasterId id="2147483648" r:id="rId1"/>
   </p:sldMasterIdLst>
   <p:notesMasterIdLst>
-    <p:notesMasterId r:id="rId4"/>
+    <p:notesMasterId r:id="rId7"/>
   </p:notesMasterIdLst>
   <p:sldIdLst>
     <p:sldId id="256" r:id="rId2"/>
     <p:sldId id="258" r:id="rId3"/>
+    <p:sldId id="259" r:id="rId4"/>
+    <p:sldId id="260" r:id="rId5"/>
+    <p:sldId id="261" r:id="rId6"/>
   </p:sldIdLst>
   <p:sldSz cx="12192000" cy="6858000"/>
   <p:notesSz cx="6858000" cy="9144000"/>
@@ -198,7 +201,7 @@
           <a:p>
             <a:fld id="{4CEC346F-4DB4-DF43-BFDE-567171FE5B82}" type="datetimeFigureOut">
               <a:rPr lang="de-DE" smtClean="0"/>
-              <a:t>26.04.17</a:t>
+              <a:t>08.05.17</a:t>
             </a:fld>
             <a:endParaRPr lang="de-DE"/>
           </a:p>
@@ -357,7 +360,7 @@
           <a:p>
             <a:fld id="{59D47D15-5532-B744-9D87-F88856236EBF}" type="slidenum">
               <a:rPr lang="de-DE" smtClean="0"/>
-              <a:t>‹Nr.›</a:t>
+              <a:t>‹#›</a:t>
             </a:fld>
             <a:endParaRPr lang="de-DE"/>
           </a:p>
@@ -597,7 +600,7 @@
           <a:p>
             <a:fld id="{9AD64A2D-2B97-044C-8A12-6ABFFFFCEC0A}" type="datetimeFigureOut">
               <a:rPr lang="de-DE" smtClean="0"/>
-              <a:t>26.04.17</a:t>
+              <a:t>08.05.17</a:t>
             </a:fld>
             <a:endParaRPr lang="de-DE"/>
           </a:p>
@@ -639,7 +642,7 @@
           <a:p>
             <a:fld id="{17E426C5-2CFD-414A-9600-AE85B88D73A6}" type="slidenum">
               <a:rPr lang="de-DE" smtClean="0"/>
-              <a:t>‹Nr.›</a:t>
+              <a:t>‹#›</a:t>
             </a:fld>
             <a:endParaRPr lang="de-DE"/>
           </a:p>
@@ -767,7 +770,7 @@
           <a:p>
             <a:fld id="{9AD64A2D-2B97-044C-8A12-6ABFFFFCEC0A}" type="datetimeFigureOut">
               <a:rPr lang="de-DE" smtClean="0"/>
-              <a:t>26.04.17</a:t>
+              <a:t>08.05.17</a:t>
             </a:fld>
             <a:endParaRPr lang="de-DE"/>
           </a:p>
@@ -809,7 +812,7 @@
           <a:p>
             <a:fld id="{17E426C5-2CFD-414A-9600-AE85B88D73A6}" type="slidenum">
               <a:rPr lang="de-DE" smtClean="0"/>
-              <a:t>‹Nr.›</a:t>
+              <a:t>‹#›</a:t>
             </a:fld>
             <a:endParaRPr lang="de-DE"/>
           </a:p>
@@ -947,7 +950,7 @@
           <a:p>
             <a:fld id="{9AD64A2D-2B97-044C-8A12-6ABFFFFCEC0A}" type="datetimeFigureOut">
               <a:rPr lang="de-DE" smtClean="0"/>
-              <a:t>26.04.17</a:t>
+              <a:t>08.05.17</a:t>
             </a:fld>
             <a:endParaRPr lang="de-DE"/>
           </a:p>
@@ -989,7 +992,7 @@
           <a:p>
             <a:fld id="{17E426C5-2CFD-414A-9600-AE85B88D73A6}" type="slidenum">
               <a:rPr lang="de-DE" smtClean="0"/>
-              <a:t>‹Nr.›</a:t>
+              <a:t>‹#›</a:t>
             </a:fld>
             <a:endParaRPr lang="de-DE"/>
           </a:p>
@@ -1117,7 +1120,7 @@
           <a:p>
             <a:fld id="{9AD64A2D-2B97-044C-8A12-6ABFFFFCEC0A}" type="datetimeFigureOut">
               <a:rPr lang="de-DE" smtClean="0"/>
-              <a:t>26.04.17</a:t>
+              <a:t>08.05.17</a:t>
             </a:fld>
             <a:endParaRPr lang="de-DE"/>
           </a:p>
@@ -1159,7 +1162,7 @@
           <a:p>
             <a:fld id="{17E426C5-2CFD-414A-9600-AE85B88D73A6}" type="slidenum">
               <a:rPr lang="de-DE" smtClean="0"/>
-              <a:t>‹Nr.›</a:t>
+              <a:t>‹#›</a:t>
             </a:fld>
             <a:endParaRPr lang="de-DE"/>
           </a:p>
@@ -1363,7 +1366,7 @@
           <a:p>
             <a:fld id="{9AD64A2D-2B97-044C-8A12-6ABFFFFCEC0A}" type="datetimeFigureOut">
               <a:rPr lang="de-DE" smtClean="0"/>
-              <a:t>26.04.17</a:t>
+              <a:t>08.05.17</a:t>
             </a:fld>
             <a:endParaRPr lang="de-DE"/>
           </a:p>
@@ -1405,7 +1408,7 @@
           <a:p>
             <a:fld id="{17E426C5-2CFD-414A-9600-AE85B88D73A6}" type="slidenum">
               <a:rPr lang="de-DE" smtClean="0"/>
-              <a:t>‹Nr.›</a:t>
+              <a:t>‹#›</a:t>
             </a:fld>
             <a:endParaRPr lang="de-DE"/>
           </a:p>
@@ -1595,7 +1598,7 @@
           <a:p>
             <a:fld id="{9AD64A2D-2B97-044C-8A12-6ABFFFFCEC0A}" type="datetimeFigureOut">
               <a:rPr lang="de-DE" smtClean="0"/>
-              <a:t>26.04.17</a:t>
+              <a:t>08.05.17</a:t>
             </a:fld>
             <a:endParaRPr lang="de-DE"/>
           </a:p>
@@ -1637,7 +1640,7 @@
           <a:p>
             <a:fld id="{17E426C5-2CFD-414A-9600-AE85B88D73A6}" type="slidenum">
               <a:rPr lang="de-DE" smtClean="0"/>
-              <a:t>‹Nr.›</a:t>
+              <a:t>‹#›</a:t>
             </a:fld>
             <a:endParaRPr lang="de-DE"/>
           </a:p>
@@ -1962,7 +1965,7 @@
           <a:p>
             <a:fld id="{9AD64A2D-2B97-044C-8A12-6ABFFFFCEC0A}" type="datetimeFigureOut">
               <a:rPr lang="de-DE" smtClean="0"/>
-              <a:t>26.04.17</a:t>
+              <a:t>08.05.17</a:t>
             </a:fld>
             <a:endParaRPr lang="de-DE"/>
           </a:p>
@@ -2004,7 +2007,7 @@
           <a:p>
             <a:fld id="{17E426C5-2CFD-414A-9600-AE85B88D73A6}" type="slidenum">
               <a:rPr lang="de-DE" smtClean="0"/>
-              <a:t>‹Nr.›</a:t>
+              <a:t>‹#›</a:t>
             </a:fld>
             <a:endParaRPr lang="de-DE"/>
           </a:p>
@@ -2080,7 +2083,7 @@
           <a:p>
             <a:fld id="{9AD64A2D-2B97-044C-8A12-6ABFFFFCEC0A}" type="datetimeFigureOut">
               <a:rPr lang="de-DE" smtClean="0"/>
-              <a:t>26.04.17</a:t>
+              <a:t>08.05.17</a:t>
             </a:fld>
             <a:endParaRPr lang="de-DE"/>
           </a:p>
@@ -2122,7 +2125,7 @@
           <a:p>
             <a:fld id="{17E426C5-2CFD-414A-9600-AE85B88D73A6}" type="slidenum">
               <a:rPr lang="de-DE" smtClean="0"/>
-              <a:t>‹Nr.›</a:t>
+              <a:t>‹#›</a:t>
             </a:fld>
             <a:endParaRPr lang="de-DE"/>
           </a:p>
@@ -2175,7 +2178,7 @@
           <a:p>
             <a:fld id="{9AD64A2D-2B97-044C-8A12-6ABFFFFCEC0A}" type="datetimeFigureOut">
               <a:rPr lang="de-DE" smtClean="0"/>
-              <a:t>26.04.17</a:t>
+              <a:t>08.05.17</a:t>
             </a:fld>
             <a:endParaRPr lang="de-DE"/>
           </a:p>
@@ -2217,7 +2220,7 @@
           <a:p>
             <a:fld id="{17E426C5-2CFD-414A-9600-AE85B88D73A6}" type="slidenum">
               <a:rPr lang="de-DE" smtClean="0"/>
-              <a:t>‹Nr.›</a:t>
+              <a:t>‹#›</a:t>
             </a:fld>
             <a:endParaRPr lang="de-DE"/>
           </a:p>
@@ -2452,7 +2455,7 @@
           <a:p>
             <a:fld id="{9AD64A2D-2B97-044C-8A12-6ABFFFFCEC0A}" type="datetimeFigureOut">
               <a:rPr lang="de-DE" smtClean="0"/>
-              <a:t>26.04.17</a:t>
+              <a:t>08.05.17</a:t>
             </a:fld>
             <a:endParaRPr lang="de-DE"/>
           </a:p>
@@ -2494,7 +2497,7 @@
           <a:p>
             <a:fld id="{17E426C5-2CFD-414A-9600-AE85B88D73A6}" type="slidenum">
               <a:rPr lang="de-DE" smtClean="0"/>
-              <a:t>‹Nr.›</a:t>
+              <a:t>‹#›</a:t>
             </a:fld>
             <a:endParaRPr lang="de-DE"/>
           </a:p>
@@ -2705,7 +2708,7 @@
           <a:p>
             <a:fld id="{9AD64A2D-2B97-044C-8A12-6ABFFFFCEC0A}" type="datetimeFigureOut">
               <a:rPr lang="de-DE" smtClean="0"/>
-              <a:t>26.04.17</a:t>
+              <a:t>08.05.17</a:t>
             </a:fld>
             <a:endParaRPr lang="de-DE"/>
           </a:p>
@@ -2747,7 +2750,7 @@
           <a:p>
             <a:fld id="{17E426C5-2CFD-414A-9600-AE85B88D73A6}" type="slidenum">
               <a:rPr lang="de-DE" smtClean="0"/>
-              <a:t>‹Nr.›</a:t>
+              <a:t>‹#›</a:t>
             </a:fld>
             <a:endParaRPr lang="de-DE"/>
           </a:p>
@@ -2918,7 +2921,7 @@
           <a:p>
             <a:fld id="{9AD64A2D-2B97-044C-8A12-6ABFFFFCEC0A}" type="datetimeFigureOut">
               <a:rPr lang="de-DE" smtClean="0"/>
-              <a:t>26.04.17</a:t>
+              <a:t>08.05.17</a:t>
             </a:fld>
             <a:endParaRPr lang="de-DE"/>
           </a:p>
@@ -2996,7 +2999,7 @@
           <a:p>
             <a:fld id="{17E426C5-2CFD-414A-9600-AE85B88D73A6}" type="slidenum">
               <a:rPr lang="de-DE" smtClean="0"/>
-              <a:t>‹Nr.›</a:t>
+              <a:t>‹#›</a:t>
             </a:fld>
             <a:endParaRPr lang="de-DE"/>
           </a:p>
@@ -3688,6 +3691,205 @@
       </p:par>
     </p:tnLst>
   </p:timing>
+</p:sld>
+</file>
+
+<file path=ppt/slides/slide3.xml><?xml version="1.0" encoding="utf-8"?>
+<p:sld xmlns:a="http://schemas.openxmlformats.org/drawingml/2006/main" xmlns:r="http://schemas.openxmlformats.org/officeDocument/2006/relationships" xmlns:p="http://schemas.openxmlformats.org/presentationml/2006/main">
+  <p:cSld>
+    <p:spTree>
+      <p:nvGrpSpPr>
+        <p:cNvPr id="1" name=""/>
+        <p:cNvGrpSpPr/>
+        <p:nvPr/>
+      </p:nvGrpSpPr>
+      <p:grpSpPr>
+        <a:xfrm>
+          <a:off x="0" y="0"/>
+          <a:ext cx="0" cy="0"/>
+          <a:chOff x="0" y="0"/>
+          <a:chExt cx="0" cy="0"/>
+        </a:xfrm>
+      </p:grpSpPr>
+      <p:sp>
+        <p:nvSpPr>
+          <p:cNvPr id="4" name="TextBox 3"/>
+          <p:cNvSpPr txBox="1"/>
+          <p:nvPr/>
+        </p:nvSpPr>
+        <p:spPr>
+          <a:xfrm>
+            <a:off x="3481754" y="-2901462"/>
+            <a:ext cx="6341801" cy="12403395"/>
+          </a:xfrm>
+          <a:prstGeom prst="rect">
+            <a:avLst/>
+          </a:prstGeom>
+          <a:noFill/>
+        </p:spPr>
+        <p:txBody>
+          <a:bodyPr wrap="none" rtlCol="0">
+            <a:spAutoFit/>
+          </a:bodyPr>
+          <a:lstStyle/>
+          <a:p>
+            <a:r>
+              <a:rPr lang="en-US" sz="80000" b="1" dirty="0" smtClean="0">
+                <a:latin typeface="Andale Mono" charset="0"/>
+                <a:ea typeface="Andale Mono" charset="0"/>
+                <a:cs typeface="Andale Mono" charset="0"/>
+              </a:rPr>
+              <a:t>B</a:t>
+            </a:r>
+            <a:endParaRPr lang="en-US" sz="80000" b="1" dirty="0">
+              <a:latin typeface="Andale Mono" charset="0"/>
+              <a:ea typeface="Andale Mono" charset="0"/>
+              <a:cs typeface="Andale Mono" charset="0"/>
+            </a:endParaRPr>
+          </a:p>
+        </p:txBody>
+      </p:sp>
+    </p:spTree>
+    <p:extLst>
+      <p:ext uri="{BB962C8B-B14F-4D97-AF65-F5344CB8AC3E}">
+        <p14:creationId xmlns:p14="http://schemas.microsoft.com/office/powerpoint/2010/main" val="2031618946"/>
+      </p:ext>
+    </p:extLst>
+  </p:cSld>
+  <p:clrMapOvr>
+    <a:masterClrMapping/>
+  </p:clrMapOvr>
+</p:sld>
+</file>
+
+<file path=ppt/slides/slide4.xml><?xml version="1.0" encoding="utf-8"?>
+<p:sld xmlns:a="http://schemas.openxmlformats.org/drawingml/2006/main" xmlns:r="http://schemas.openxmlformats.org/officeDocument/2006/relationships" xmlns:p="http://schemas.openxmlformats.org/presentationml/2006/main">
+  <p:cSld>
+    <p:spTree>
+      <p:nvGrpSpPr>
+        <p:cNvPr id="1" name=""/>
+        <p:cNvGrpSpPr/>
+        <p:nvPr/>
+      </p:nvGrpSpPr>
+      <p:grpSpPr>
+        <a:xfrm>
+          <a:off x="0" y="0"/>
+          <a:ext cx="0" cy="0"/>
+          <a:chOff x="0" y="0"/>
+          <a:chExt cx="0" cy="0"/>
+        </a:xfrm>
+      </p:grpSpPr>
+      <p:sp>
+        <p:nvSpPr>
+          <p:cNvPr id="4" name="TextBox 3"/>
+          <p:cNvSpPr txBox="1"/>
+          <p:nvPr/>
+        </p:nvSpPr>
+        <p:spPr>
+          <a:xfrm>
+            <a:off x="3481754" y="-2901462"/>
+            <a:ext cx="6341801" cy="12403395"/>
+          </a:xfrm>
+          <a:prstGeom prst="rect">
+            <a:avLst/>
+          </a:prstGeom>
+          <a:noFill/>
+        </p:spPr>
+        <p:txBody>
+          <a:bodyPr wrap="none" rtlCol="0">
+            <a:spAutoFit/>
+          </a:bodyPr>
+          <a:lstStyle/>
+          <a:p>
+            <a:r>
+              <a:rPr lang="en-US" sz="80000" i="1" dirty="0" smtClean="0">
+                <a:latin typeface="Andale Mono" charset="0"/>
+                <a:ea typeface="Andale Mono" charset="0"/>
+                <a:cs typeface="Andale Mono" charset="0"/>
+              </a:rPr>
+              <a:t>I</a:t>
+            </a:r>
+            <a:endParaRPr lang="en-US" sz="80000" i="1" dirty="0">
+              <a:latin typeface="Andale Mono" charset="0"/>
+              <a:ea typeface="Andale Mono" charset="0"/>
+              <a:cs typeface="Andale Mono" charset="0"/>
+            </a:endParaRPr>
+          </a:p>
+        </p:txBody>
+      </p:sp>
+    </p:spTree>
+    <p:extLst>
+      <p:ext uri="{BB962C8B-B14F-4D97-AF65-F5344CB8AC3E}">
+        <p14:creationId xmlns:p14="http://schemas.microsoft.com/office/powerpoint/2010/main" val="572441140"/>
+      </p:ext>
+    </p:extLst>
+  </p:cSld>
+  <p:clrMapOvr>
+    <a:masterClrMapping/>
+  </p:clrMapOvr>
+</p:sld>
+</file>
+
+<file path=ppt/slides/slide5.xml><?xml version="1.0" encoding="utf-8"?>
+<p:sld xmlns:a="http://schemas.openxmlformats.org/drawingml/2006/main" xmlns:r="http://schemas.openxmlformats.org/officeDocument/2006/relationships" xmlns:p="http://schemas.openxmlformats.org/presentationml/2006/main">
+  <p:cSld>
+    <p:spTree>
+      <p:nvGrpSpPr>
+        <p:cNvPr id="1" name=""/>
+        <p:cNvGrpSpPr/>
+        <p:nvPr/>
+      </p:nvGrpSpPr>
+      <p:grpSpPr>
+        <a:xfrm>
+          <a:off x="0" y="0"/>
+          <a:ext cx="0" cy="0"/>
+          <a:chOff x="0" y="0"/>
+          <a:chExt cx="0" cy="0"/>
+        </a:xfrm>
+      </p:grpSpPr>
+      <p:sp>
+        <p:nvSpPr>
+          <p:cNvPr id="4" name="TextBox 3"/>
+          <p:cNvSpPr txBox="1"/>
+          <p:nvPr/>
+        </p:nvSpPr>
+        <p:spPr>
+          <a:xfrm>
+            <a:off x="3481754" y="-2901462"/>
+            <a:ext cx="6341801" cy="12403395"/>
+          </a:xfrm>
+          <a:prstGeom prst="rect">
+            <a:avLst/>
+          </a:prstGeom>
+          <a:noFill/>
+        </p:spPr>
+        <p:txBody>
+          <a:bodyPr wrap="none" rtlCol="0">
+            <a:spAutoFit/>
+          </a:bodyPr>
+          <a:lstStyle/>
+          <a:p>
+            <a:r>
+              <a:rPr lang="en-US" sz="80000" b="1" u="sng" dirty="0">
+                <a:latin typeface="Andale Mono" charset="0"/>
+                <a:ea typeface="Andale Mono" charset="0"/>
+                <a:cs typeface="Andale Mono" charset="0"/>
+              </a:rPr>
+              <a:t>U</a:t>
+            </a:r>
+          </a:p>
+        </p:txBody>
+      </p:sp>
+    </p:spTree>
+    <p:extLst>
+      <p:ext uri="{BB962C8B-B14F-4D97-AF65-F5344CB8AC3E}">
+        <p14:creationId xmlns:p14="http://schemas.microsoft.com/office/powerpoint/2010/main" val="291501420"/>
+      </p:ext>
+    </p:extLst>
+  </p:cSld>
+  <p:clrMapOvr>
+    <a:masterClrMapping/>
+  </p:clrMapOvr>
 </p:sld>
 </file>
 

--- a/public/Iconset.pptx
+++ b/public/Iconset.pptx
@@ -3719,8 +3719,8 @@
         </p:nvSpPr>
         <p:spPr>
           <a:xfrm>
-            <a:off x="3481754" y="-2901462"/>
-            <a:ext cx="6341801" cy="12403395"/>
+            <a:off x="5117123" y="1266092"/>
+            <a:ext cx="1723549" cy="3170099"/>
           </a:xfrm>
           <a:prstGeom prst="rect">
             <a:avLst/>
@@ -3734,14 +3734,14 @@
           <a:lstStyle/>
           <a:p>
             <a:r>
-              <a:rPr lang="en-US" sz="80000" b="1" dirty="0" smtClean="0">
+              <a:rPr lang="en-US" sz="20000" b="1" dirty="0" smtClean="0">
                 <a:latin typeface="Andale Mono" charset="0"/>
                 <a:ea typeface="Andale Mono" charset="0"/>
                 <a:cs typeface="Andale Mono" charset="0"/>
               </a:rPr>
               <a:t>B</a:t>
             </a:r>
-            <a:endParaRPr lang="en-US" sz="80000" b="1" dirty="0">
+            <a:endParaRPr lang="en-US" sz="20000" b="1" dirty="0">
               <a:latin typeface="Andale Mono" charset="0"/>
               <a:ea typeface="Andale Mono" charset="0"/>
               <a:cs typeface="Andale Mono" charset="0"/>
@@ -3787,8 +3787,8 @@
         </p:nvSpPr>
         <p:spPr>
           <a:xfrm>
-            <a:off x="3481754" y="-2901462"/>
-            <a:ext cx="6341801" cy="12403395"/>
+            <a:off x="4888523" y="1178168"/>
+            <a:ext cx="1723549" cy="3170099"/>
           </a:xfrm>
           <a:prstGeom prst="rect">
             <a:avLst/>
@@ -3802,14 +3802,14 @@
           <a:lstStyle/>
           <a:p>
             <a:r>
-              <a:rPr lang="en-US" sz="80000" i="1" dirty="0" smtClean="0">
+              <a:rPr lang="en-US" sz="20000" i="1" dirty="0" smtClean="0">
                 <a:latin typeface="Andale Mono" charset="0"/>
                 <a:ea typeface="Andale Mono" charset="0"/>
                 <a:cs typeface="Andale Mono" charset="0"/>
               </a:rPr>
               <a:t>I</a:t>
             </a:r>
-            <a:endParaRPr lang="en-US" sz="80000" i="1" dirty="0">
+            <a:endParaRPr lang="en-US" sz="20000" i="1" dirty="0">
               <a:latin typeface="Andale Mono" charset="0"/>
               <a:ea typeface="Andale Mono" charset="0"/>
               <a:cs typeface="Andale Mono" charset="0"/>
@@ -3855,8 +3855,8 @@
         </p:nvSpPr>
         <p:spPr>
           <a:xfrm>
-            <a:off x="3481754" y="-2901462"/>
-            <a:ext cx="6341801" cy="12403395"/>
+            <a:off x="5486400" y="1705707"/>
+            <a:ext cx="1723549" cy="3170099"/>
           </a:xfrm>
           <a:prstGeom prst="rect">
             <a:avLst/>
@@ -3870,7 +3870,7 @@
           <a:lstStyle/>
           <a:p>
             <a:r>
-              <a:rPr lang="en-US" sz="80000" b="1" u="sng" dirty="0">
+              <a:rPr lang="en-US" sz="20000" b="1" u="sng" dirty="0">
                 <a:latin typeface="Andale Mono" charset="0"/>
                 <a:ea typeface="Andale Mono" charset="0"/>
                 <a:cs typeface="Andale Mono" charset="0"/>

--- a/public/Iconset.pptx
+++ b/public/Iconset.pptx
@@ -5,7 +5,7 @@
     <p:sldMasterId id="2147483648" r:id="rId1"/>
   </p:sldMasterIdLst>
   <p:notesMasterIdLst>
-    <p:notesMasterId r:id="rId7"/>
+    <p:notesMasterId r:id="rId8"/>
   </p:notesMasterIdLst>
   <p:sldIdLst>
     <p:sldId id="256" r:id="rId2"/>
@@ -13,6 +13,7 @@
     <p:sldId id="259" r:id="rId4"/>
     <p:sldId id="260" r:id="rId5"/>
     <p:sldId id="261" r:id="rId6"/>
+    <p:sldId id="262" r:id="rId7"/>
   </p:sldIdLst>
   <p:sldSz cx="12192000" cy="6858000"/>
   <p:notesSz cx="6858000" cy="9144000"/>
@@ -3884,6 +3885,134 @@
     <p:extLst>
       <p:ext uri="{BB962C8B-B14F-4D97-AF65-F5344CB8AC3E}">
         <p14:creationId xmlns:p14="http://schemas.microsoft.com/office/powerpoint/2010/main" val="291501420"/>
+      </p:ext>
+    </p:extLst>
+  </p:cSld>
+  <p:clrMapOvr>
+    <a:masterClrMapping/>
+  </p:clrMapOvr>
+</p:sld>
+</file>
+
+<file path=ppt/slides/slide6.xml><?xml version="1.0" encoding="utf-8"?>
+<p:sld xmlns:a="http://schemas.openxmlformats.org/drawingml/2006/main" xmlns:r="http://schemas.openxmlformats.org/officeDocument/2006/relationships" xmlns:p="http://schemas.openxmlformats.org/presentationml/2006/main">
+  <p:cSld>
+    <p:spTree>
+      <p:nvGrpSpPr>
+        <p:cNvPr id="1" name=""/>
+        <p:cNvGrpSpPr/>
+        <p:nvPr/>
+      </p:nvGrpSpPr>
+      <p:grpSpPr>
+        <a:xfrm>
+          <a:off x="0" y="0"/>
+          <a:ext cx="0" cy="0"/>
+          <a:chOff x="0" y="0"/>
+          <a:chExt cx="0" cy="0"/>
+        </a:xfrm>
+      </p:grpSpPr>
+      <p:sp>
+        <p:nvSpPr>
+          <p:cNvPr id="4" name="Triangle 3"/>
+          <p:cNvSpPr/>
+          <p:nvPr/>
+        </p:nvSpPr>
+        <p:spPr>
+          <a:xfrm>
+            <a:off x="4656368" y="1364693"/>
+            <a:ext cx="3069772" cy="1768926"/>
+          </a:xfrm>
+          <a:prstGeom prst="triangle">
+            <a:avLst/>
+          </a:prstGeom>
+          <a:solidFill>
+            <a:schemeClr val="bg2">
+              <a:lumMod val="25000"/>
+            </a:schemeClr>
+          </a:solidFill>
+          <a:ln>
+            <a:noFill/>
+          </a:ln>
+          <a:effectLst/>
+        </p:spPr>
+        <p:style>
+          <a:lnRef idx="2">
+            <a:schemeClr val="accent1">
+              <a:shade val="50000"/>
+            </a:schemeClr>
+          </a:lnRef>
+          <a:fillRef idx="1">
+            <a:schemeClr val="accent1"/>
+          </a:fillRef>
+          <a:effectRef idx="0">
+            <a:schemeClr val="accent1"/>
+          </a:effectRef>
+          <a:fontRef idx="minor">
+            <a:schemeClr val="lt1"/>
+          </a:fontRef>
+        </p:style>
+        <p:txBody>
+          <a:bodyPr rtlCol="0" anchor="ctr"/>
+          <a:lstStyle/>
+          <a:p>
+            <a:pPr algn="ctr"/>
+            <a:endParaRPr lang="en-US"/>
+          </a:p>
+        </p:txBody>
+      </p:sp>
+      <p:sp>
+        <p:nvSpPr>
+          <p:cNvPr id="5" name="Triangle 4"/>
+          <p:cNvSpPr/>
+          <p:nvPr/>
+        </p:nvSpPr>
+        <p:spPr>
+          <a:xfrm rot="10800000">
+            <a:off x="4656368" y="4049277"/>
+            <a:ext cx="3069772" cy="1768926"/>
+          </a:xfrm>
+          <a:prstGeom prst="triangle">
+            <a:avLst/>
+          </a:prstGeom>
+          <a:solidFill>
+            <a:schemeClr val="bg2">
+              <a:lumMod val="25000"/>
+            </a:schemeClr>
+          </a:solidFill>
+          <a:ln>
+            <a:noFill/>
+          </a:ln>
+          <a:effectLst/>
+        </p:spPr>
+        <p:style>
+          <a:lnRef idx="2">
+            <a:schemeClr val="accent1">
+              <a:shade val="50000"/>
+            </a:schemeClr>
+          </a:lnRef>
+          <a:fillRef idx="1">
+            <a:schemeClr val="accent1"/>
+          </a:fillRef>
+          <a:effectRef idx="0">
+            <a:schemeClr val="accent1"/>
+          </a:effectRef>
+          <a:fontRef idx="minor">
+            <a:schemeClr val="lt1"/>
+          </a:fontRef>
+        </p:style>
+        <p:txBody>
+          <a:bodyPr rtlCol="0" anchor="ctr"/>
+          <a:lstStyle/>
+          <a:p>
+            <a:pPr algn="ctr"/>
+            <a:endParaRPr lang="en-US"/>
+          </a:p>
+        </p:txBody>
+      </p:sp>
+    </p:spTree>
+    <p:extLst>
+      <p:ext uri="{BB962C8B-B14F-4D97-AF65-F5344CB8AC3E}">
+        <p14:creationId xmlns:p14="http://schemas.microsoft.com/office/powerpoint/2010/main" val="261346861"/>
       </p:ext>
     </p:extLst>
   </p:cSld>
